--- a/Baligo v2.pptx
+++ b/Baligo v2.pptx
@@ -334,7 +334,7 @@
             <a:fld id="{1D8BD707-D9CF-40AE-B4C6-C98DA3205C09}" type="datetimeFigureOut">
               <a:rPr lang="en-US" smtClean="0"/>
               <a:pPr/>
-              <a:t>6/15/2016</a:t>
+              <a:t>6/16/2016</a:t>
             </a:fld>
             <a:endParaRPr lang="en-US"/>
           </a:p>
@@ -533,7 +533,7 @@
             <a:fld id="{1D8BD707-D9CF-40AE-B4C6-C98DA3205C09}" type="datetimeFigureOut">
               <a:rPr lang="en-US" smtClean="0"/>
               <a:pPr/>
-              <a:t>6/15/2016</a:t>
+              <a:t>6/16/2016</a:t>
             </a:fld>
             <a:endParaRPr lang="en-US"/>
           </a:p>
@@ -715,7 +715,7 @@
             <a:fld id="{1D8BD707-D9CF-40AE-B4C6-C98DA3205C09}" type="datetimeFigureOut">
               <a:rPr lang="en-US" smtClean="0"/>
               <a:pPr/>
-              <a:t>6/15/2016</a:t>
+              <a:t>6/16/2016</a:t>
             </a:fld>
             <a:endParaRPr lang="en-US"/>
           </a:p>
@@ -892,7 +892,7 @@
             <a:fld id="{1D8BD707-D9CF-40AE-B4C6-C98DA3205C09}" type="datetimeFigureOut">
               <a:rPr lang="en-US" smtClean="0"/>
               <a:pPr/>
-              <a:t>6/15/2016</a:t>
+              <a:t>6/16/2016</a:t>
             </a:fld>
             <a:endParaRPr lang="en-US"/>
           </a:p>
@@ -1148,7 +1148,7 @@
             <a:fld id="{1D8BD707-D9CF-40AE-B4C6-C98DA3205C09}" type="datetimeFigureOut">
               <a:rPr lang="en-US" smtClean="0"/>
               <a:pPr/>
-              <a:t>6/15/2016</a:t>
+              <a:t>6/16/2016</a:t>
             </a:fld>
             <a:endParaRPr lang="en-US"/>
           </a:p>
@@ -1481,7 +1481,7 @@
             <a:fld id="{1D8BD707-D9CF-40AE-B4C6-C98DA3205C09}" type="datetimeFigureOut">
               <a:rPr lang="en-US" smtClean="0"/>
               <a:pPr/>
-              <a:t>6/15/2016</a:t>
+              <a:t>6/16/2016</a:t>
             </a:fld>
             <a:endParaRPr lang="en-US"/>
           </a:p>
@@ -1903,7 +1903,7 @@
             <a:fld id="{1D8BD707-D9CF-40AE-B4C6-C98DA3205C09}" type="datetimeFigureOut">
               <a:rPr lang="en-US" smtClean="0"/>
               <a:pPr/>
-              <a:t>6/15/2016</a:t>
+              <a:t>6/16/2016</a:t>
             </a:fld>
             <a:endParaRPr lang="en-US"/>
           </a:p>
@@ -2023,7 +2023,7 @@
             <a:fld id="{1D8BD707-D9CF-40AE-B4C6-C98DA3205C09}" type="datetimeFigureOut">
               <a:rPr lang="en-US" smtClean="0"/>
               <a:pPr/>
-              <a:t>6/15/2016</a:t>
+              <a:t>6/16/2016</a:t>
             </a:fld>
             <a:endParaRPr lang="en-US"/>
           </a:p>
@@ -2120,7 +2120,7 @@
             <a:fld id="{1D8BD707-D9CF-40AE-B4C6-C98DA3205C09}" type="datetimeFigureOut">
               <a:rPr lang="en-US" smtClean="0"/>
               <a:pPr/>
-              <a:t>6/15/2016</a:t>
+              <a:t>6/16/2016</a:t>
             </a:fld>
             <a:endParaRPr lang="en-US"/>
           </a:p>
@@ -2409,7 +2409,7 @@
             <a:fld id="{1D8BD707-D9CF-40AE-B4C6-C98DA3205C09}" type="datetimeFigureOut">
               <a:rPr lang="en-US" smtClean="0"/>
               <a:pPr/>
-              <a:t>6/15/2016</a:t>
+              <a:t>6/16/2016</a:t>
             </a:fld>
             <a:endParaRPr lang="en-US"/>
           </a:p>
@@ -2733,7 +2733,7 @@
             <a:fld id="{1D8BD707-D9CF-40AE-B4C6-C98DA3205C09}" type="datetimeFigureOut">
               <a:rPr lang="en-US" smtClean="0"/>
               <a:pPr/>
-              <a:t>6/15/2016</a:t>
+              <a:t>6/16/2016</a:t>
             </a:fld>
             <a:endParaRPr lang="en-US"/>
           </a:p>
@@ -2989,7 +2989,7 @@
             <a:fld id="{1D8BD707-D9CF-40AE-B4C6-C98DA3205C09}" type="datetimeFigureOut">
               <a:rPr lang="en-US" smtClean="0"/>
               <a:pPr/>
-              <a:t>6/15/2016</a:t>
+              <a:t>6/16/2016</a:t>
             </a:fld>
             <a:endParaRPr lang="en-US"/>
           </a:p>
@@ -3869,8 +3869,8 @@
         </p:nvSpPr>
         <p:spPr>
           <a:xfrm>
-            <a:off x="547759" y="5562600"/>
-            <a:ext cx="3566160" cy="4023360"/>
+            <a:off x="547758" y="5562600"/>
+            <a:ext cx="7224641" cy="4023360"/>
           </a:xfrm>
         </p:spPr>
         <p:txBody>
@@ -3883,7 +3883,14 @@
                 <a:ea typeface="Calibri"/>
                 <a:cs typeface="Times New Roman"/>
               </a:rPr>
-              <a:t>C#, </a:t>
+              <a:t>C</a:t>
+            </a:r>
+            <a:r>
+              <a:rPr lang="en-US" dirty="0" smtClean="0">
+                <a:ea typeface="Calibri"/>
+                <a:cs typeface="Times New Roman"/>
+              </a:rPr>
+              <a:t>#, </a:t>
             </a:r>
             <a:r>
               <a:rPr lang="en-US" dirty="0" err="1">
@@ -3898,6 +3905,10 @@
             </a:endParaRPr>
           </a:p>
           <a:p>
+            <a:r>
+              <a:rPr lang="en-US" dirty="0"/>
+              <a:t>GitHub - https://github.com/Team-Alchera/Baligo</a:t>
+            </a:r>
             <a:endParaRPr lang="en-US" dirty="0"/>
           </a:p>
         </p:txBody>
@@ -4064,7 +4075,9 @@
           </a:xfrm>
         </p:spPr>
         <p:txBody>
-          <a:bodyPr/>
+          <a:bodyPr>
+            <a:normAutofit/>
+          </a:bodyPr>
           <a:lstStyle/>
           <a:p>
             <a:pPr lvl="0" algn="just">
@@ -4400,83 +4413,34 @@
               </a:spcAft>
             </a:pPr>
             <a:r>
-              <a:rPr lang="en-US" dirty="0" err="1">
+              <a:rPr lang="en-US" dirty="0" err="1" smtClean="0">
                 <a:ea typeface="Calibri"/>
                 <a:cs typeface="Times New Roman"/>
               </a:rPr>
               <a:t>Denislav</a:t>
             </a:r>
             <a:r>
-              <a:rPr lang="en-US" dirty="0">
+              <a:rPr lang="en-US" dirty="0" smtClean="0">
                 <a:ea typeface="Calibri"/>
                 <a:cs typeface="Times New Roman"/>
               </a:rPr>
               <a:t> </a:t>
             </a:r>
             <a:r>
-              <a:rPr lang="en-US" dirty="0" err="1">
+              <a:rPr lang="en-US" dirty="0" err="1" smtClean="0">
                 <a:ea typeface="Calibri"/>
                 <a:cs typeface="Times New Roman"/>
               </a:rPr>
               <a:t>Angelov</a:t>
             </a:r>
             <a:r>
-              <a:rPr lang="en-US" dirty="0">
-                <a:ea typeface="Calibri"/>
-                <a:cs typeface="Times New Roman"/>
-              </a:rPr>
-              <a:t> </a:t>
-            </a:r>
-            <a:r>
               <a:rPr lang="en-US" dirty="0" smtClean="0">
                 <a:ea typeface="Calibri"/>
                 <a:cs typeface="Times New Roman"/>
               </a:rPr>
-              <a:t>- game states</a:t>
-            </a:r>
-            <a:endParaRPr lang="bg-BG" dirty="0">
-              <a:ea typeface="Calibri"/>
-              <a:cs typeface="Times New Roman"/>
-            </a:endParaRPr>
-          </a:p>
-          <a:p>
-            <a:pPr lvl="0" algn="just">
-              <a:lnSpc>
-                <a:spcPct val="115000"/>
-              </a:lnSpc>
-              <a:spcAft>
-                <a:spcPts val="600"/>
-              </a:spcAft>
-            </a:pPr>
-            <a:endParaRPr lang="en-US" dirty="0">
-              <a:ea typeface="Calibri"/>
-              <a:cs typeface="Times New Roman"/>
-            </a:endParaRPr>
-          </a:p>
-          <a:p>
-            <a:pPr lvl="0" algn="just">
-              <a:lnSpc>
-                <a:spcPct val="115000"/>
-              </a:lnSpc>
-              <a:spcAft>
-                <a:spcPts val="600"/>
-              </a:spcAft>
-            </a:pPr>
-            <a:endParaRPr lang="en-US" dirty="0" smtClean="0">
-              <a:ea typeface="Calibri"/>
-              <a:cs typeface="Times New Roman"/>
-            </a:endParaRPr>
-          </a:p>
-          <a:p>
-            <a:pPr lvl="0" algn="just">
-              <a:lnSpc>
-                <a:spcPct val="115000"/>
-              </a:lnSpc>
-              <a:spcAft>
-                <a:spcPts val="600"/>
-              </a:spcAft>
-            </a:pPr>
-            <a:endParaRPr lang="bg-BG" dirty="0">
+              <a:t> - game states</a:t>
+            </a:r>
+            <a:endParaRPr lang="bg-BG" sz="514" dirty="0">
               <a:ea typeface="Calibri"/>
               <a:cs typeface="Times New Roman"/>
             </a:endParaRPr>
@@ -4541,6 +4505,120 @@
           </a:prstGeom>
         </p:spPr>
       </p:pic>
+      <p:sp>
+        <p:nvSpPr>
+          <p:cNvPr id="4" name="TextBox 3"/>
+          <p:cNvSpPr txBox="1"/>
+          <p:nvPr/>
+        </p:nvSpPr>
+        <p:spPr>
+          <a:xfrm>
+            <a:off x="3411602" y="5458371"/>
+            <a:ext cx="1994457" cy="369332"/>
+          </a:xfrm>
+          <a:prstGeom prst="rect">
+            <a:avLst/>
+          </a:prstGeom>
+          <a:noFill/>
+        </p:spPr>
+        <p:txBody>
+          <a:bodyPr wrap="none" rtlCol="0">
+            <a:spAutoFit/>
+          </a:bodyPr>
+          <a:lstStyle/>
+          <a:p>
+            <a:r>
+              <a:rPr lang="en-US" dirty="0" smtClean="0"/>
+              <a:t>Not involved yet:</a:t>
+            </a:r>
+            <a:endParaRPr lang="en-GB" dirty="0"/>
+          </a:p>
+        </p:txBody>
+      </p:sp>
+      <p:sp>
+        <p:nvSpPr>
+          <p:cNvPr id="5" name="TextBox 4"/>
+          <p:cNvSpPr txBox="1"/>
+          <p:nvPr/>
+        </p:nvSpPr>
+        <p:spPr>
+          <a:xfrm>
+            <a:off x="547759" y="5899666"/>
+            <a:ext cx="7475123" cy="646331"/>
+          </a:xfrm>
+          <a:prstGeom prst="rect">
+            <a:avLst/>
+          </a:prstGeom>
+          <a:noFill/>
+        </p:spPr>
+        <p:txBody>
+          <a:bodyPr wrap="none" rtlCol="0">
+            <a:spAutoFit/>
+          </a:bodyPr>
+          <a:lstStyle/>
+          <a:p>
+            <a:r>
+              <a:rPr lang="en-US" dirty="0" smtClean="0"/>
+              <a:t>Ivan </a:t>
+            </a:r>
+            <a:r>
+              <a:rPr lang="en-US" dirty="0" err="1" smtClean="0"/>
+              <a:t>Stanchev</a:t>
+            </a:r>
+            <a:r>
+              <a:rPr lang="en-US" dirty="0" smtClean="0"/>
+              <a:t>, Mario </a:t>
+            </a:r>
+            <a:r>
+              <a:rPr lang="en-US" dirty="0" err="1" smtClean="0"/>
+              <a:t>Chaushki</a:t>
+            </a:r>
+            <a:r>
+              <a:rPr lang="en-US" dirty="0" smtClean="0"/>
+              <a:t>, </a:t>
+            </a:r>
+            <a:r>
+              <a:rPr lang="en-US" dirty="0" err="1" smtClean="0"/>
+              <a:t>Plamena</a:t>
+            </a:r>
+            <a:r>
+              <a:rPr lang="en-US" dirty="0" smtClean="0"/>
+              <a:t> Todorova, </a:t>
+            </a:r>
+            <a:r>
+              <a:rPr lang="en-US" dirty="0" err="1" smtClean="0"/>
+              <a:t>Yordan</a:t>
+            </a:r>
+            <a:r>
+              <a:rPr lang="en-US" dirty="0" smtClean="0"/>
+              <a:t> Ivanov,</a:t>
+            </a:r>
+          </a:p>
+          <a:p>
+            <a:r>
+              <a:rPr lang="en-US" dirty="0" smtClean="0"/>
+              <a:t>Georgi </a:t>
+            </a:r>
+            <a:r>
+              <a:rPr lang="en-US" dirty="0" err="1" smtClean="0"/>
+              <a:t>Kirilov</a:t>
+            </a:r>
+            <a:r>
+              <a:rPr lang="en-US" dirty="0" smtClean="0"/>
+              <a:t> (</a:t>
+            </a:r>
+            <a:r>
+              <a:rPr lang="en-US" dirty="0" err="1" smtClean="0"/>
+              <a:t>Gopeto</a:t>
+            </a:r>
+            <a:r>
+              <a:rPr lang="en-US" dirty="0" smtClean="0"/>
+              <a:t>)</a:t>
+            </a:r>
+            <a:endParaRPr lang="en-GB" dirty="0"/>
+          </a:p>
+        </p:txBody>
+      </p:sp>
     </p:spTree>
     <p:extLst>
       <p:ext uri="{BB962C8B-B14F-4D97-AF65-F5344CB8AC3E}">

--- a/Baligo v2.pptx
+++ b/Baligo v2.pptx
@@ -334,7 +334,7 @@
             <a:fld id="{1D8BD707-D9CF-40AE-B4C6-C98DA3205C09}" type="datetimeFigureOut">
               <a:rPr lang="en-US" smtClean="0"/>
               <a:pPr/>
-              <a:t>6/16/2016</a:t>
+              <a:t>7/6/2016</a:t>
             </a:fld>
             <a:endParaRPr lang="en-US"/>
           </a:p>
@@ -533,7 +533,7 @@
             <a:fld id="{1D8BD707-D9CF-40AE-B4C6-C98DA3205C09}" type="datetimeFigureOut">
               <a:rPr lang="en-US" smtClean="0"/>
               <a:pPr/>
-              <a:t>6/16/2016</a:t>
+              <a:t>7/6/2016</a:t>
             </a:fld>
             <a:endParaRPr lang="en-US"/>
           </a:p>
@@ -715,7 +715,7 @@
             <a:fld id="{1D8BD707-D9CF-40AE-B4C6-C98DA3205C09}" type="datetimeFigureOut">
               <a:rPr lang="en-US" smtClean="0"/>
               <a:pPr/>
-              <a:t>6/16/2016</a:t>
+              <a:t>7/6/2016</a:t>
             </a:fld>
             <a:endParaRPr lang="en-US"/>
           </a:p>
@@ -892,7 +892,7 @@
             <a:fld id="{1D8BD707-D9CF-40AE-B4C6-C98DA3205C09}" type="datetimeFigureOut">
               <a:rPr lang="en-US" smtClean="0"/>
               <a:pPr/>
-              <a:t>6/16/2016</a:t>
+              <a:t>7/6/2016</a:t>
             </a:fld>
             <a:endParaRPr lang="en-US"/>
           </a:p>
@@ -1148,7 +1148,7 @@
             <a:fld id="{1D8BD707-D9CF-40AE-B4C6-C98DA3205C09}" type="datetimeFigureOut">
               <a:rPr lang="en-US" smtClean="0"/>
               <a:pPr/>
-              <a:t>6/16/2016</a:t>
+              <a:t>7/6/2016</a:t>
             </a:fld>
             <a:endParaRPr lang="en-US"/>
           </a:p>
@@ -1481,7 +1481,7 @@
             <a:fld id="{1D8BD707-D9CF-40AE-B4C6-C98DA3205C09}" type="datetimeFigureOut">
               <a:rPr lang="en-US" smtClean="0"/>
               <a:pPr/>
-              <a:t>6/16/2016</a:t>
+              <a:t>7/6/2016</a:t>
             </a:fld>
             <a:endParaRPr lang="en-US"/>
           </a:p>
@@ -1903,7 +1903,7 @@
             <a:fld id="{1D8BD707-D9CF-40AE-B4C6-C98DA3205C09}" type="datetimeFigureOut">
               <a:rPr lang="en-US" smtClean="0"/>
               <a:pPr/>
-              <a:t>6/16/2016</a:t>
+              <a:t>7/6/2016</a:t>
             </a:fld>
             <a:endParaRPr lang="en-US"/>
           </a:p>
@@ -2023,7 +2023,7 @@
             <a:fld id="{1D8BD707-D9CF-40AE-B4C6-C98DA3205C09}" type="datetimeFigureOut">
               <a:rPr lang="en-US" smtClean="0"/>
               <a:pPr/>
-              <a:t>6/16/2016</a:t>
+              <a:t>7/6/2016</a:t>
             </a:fld>
             <a:endParaRPr lang="en-US"/>
           </a:p>
@@ -2120,7 +2120,7 @@
             <a:fld id="{1D8BD707-D9CF-40AE-B4C6-C98DA3205C09}" type="datetimeFigureOut">
               <a:rPr lang="en-US" smtClean="0"/>
               <a:pPr/>
-              <a:t>6/16/2016</a:t>
+              <a:t>7/6/2016</a:t>
             </a:fld>
             <a:endParaRPr lang="en-US"/>
           </a:p>
@@ -2409,7 +2409,7 @@
             <a:fld id="{1D8BD707-D9CF-40AE-B4C6-C98DA3205C09}" type="datetimeFigureOut">
               <a:rPr lang="en-US" smtClean="0"/>
               <a:pPr/>
-              <a:t>6/16/2016</a:t>
+              <a:t>7/6/2016</a:t>
             </a:fld>
             <a:endParaRPr lang="en-US"/>
           </a:p>
@@ -2733,7 +2733,7 @@
             <a:fld id="{1D8BD707-D9CF-40AE-B4C6-C98DA3205C09}" type="datetimeFigureOut">
               <a:rPr lang="en-US" smtClean="0"/>
               <a:pPr/>
-              <a:t>6/16/2016</a:t>
+              <a:t>7/6/2016</a:t>
             </a:fld>
             <a:endParaRPr lang="en-US"/>
           </a:p>
@@ -2989,7 +2989,7 @@
             <a:fld id="{1D8BD707-D9CF-40AE-B4C6-C98DA3205C09}" type="datetimeFigureOut">
               <a:rPr lang="en-US" smtClean="0"/>
               <a:pPr/>
-              <a:t>6/16/2016</a:t>
+              <a:t>7/6/2016</a:t>
             </a:fld>
             <a:endParaRPr lang="en-US"/>
           </a:p>
@@ -3525,7 +3525,14 @@
                 <a:ea typeface="Calibri"/>
                 <a:cs typeface="Times New Roman"/>
               </a:rPr>
-              <a:t> Game</a:t>
+              <a:t> </a:t>
+            </a:r>
+            <a:r>
+              <a:rPr lang="en-US" dirty="0" smtClean="0">
+                <a:ea typeface="Calibri"/>
+                <a:cs typeface="Times New Roman"/>
+              </a:rPr>
+              <a:t>Game v2</a:t>
             </a:r>
             <a:r>
               <a:rPr lang="bg-BG" dirty="0">
@@ -3557,7 +3564,7 @@
         <p:spPr>
           <a:xfrm>
             <a:off x="839412" y="3451860"/>
-            <a:ext cx="7063740" cy="1691640"/>
+            <a:ext cx="7999788" cy="1691640"/>
           </a:xfrm>
         </p:spPr>
         <p:txBody>
@@ -3598,7 +3605,21 @@
                 <a:ea typeface="Calibri"/>
                 <a:cs typeface="Times New Roman"/>
               </a:rPr>
-              <a:t>C# Fundamentals Course – Team </a:t>
+              <a:t>C# Fundamentals </a:t>
+            </a:r>
+            <a:r>
+              <a:rPr lang="en-US" dirty="0" smtClean="0">
+                <a:ea typeface="Calibri"/>
+                <a:cs typeface="Times New Roman"/>
+              </a:rPr>
+              <a:t>Course (OOP Basics) </a:t>
+            </a:r>
+            <a:r>
+              <a:rPr lang="en-US" dirty="0">
+                <a:ea typeface="Calibri"/>
+                <a:cs typeface="Times New Roman"/>
+              </a:rPr>
+              <a:t>– Team </a:t>
             </a:r>
             <a:r>
               <a:rPr lang="en-US" dirty="0" smtClean="0">
@@ -3909,7 +3930,6 @@
               <a:rPr lang="en-US" dirty="0"/>
               <a:t>GitHub - https://github.com/Team-Alchera/Baligo</a:t>
             </a:r>
-            <a:endParaRPr lang="en-US" dirty="0"/>
           </a:p>
         </p:txBody>
       </p:sp>
@@ -4076,7 +4096,7 @@
         </p:spPr>
         <p:txBody>
           <a:bodyPr>
-            <a:normAutofit/>
+            <a:normAutofit fontScale="92500" lnSpcReduction="20000"/>
           </a:bodyPr>
           <a:lstStyle/>
           <a:p>
@@ -4289,8 +4309,26 @@
                 <a:ea typeface="Calibri"/>
                 <a:cs typeface="Times New Roman"/>
               </a:rPr>
-              <a:t>structure</a:t>
-            </a:r>
+              <a:t>structure, </a:t>
+            </a:r>
+            <a:r>
+              <a:rPr lang="en-US" dirty="0" err="1" smtClean="0">
+                <a:ea typeface="Calibri"/>
+                <a:cs typeface="Times New Roman"/>
+              </a:rPr>
+              <a:t>oop</a:t>
+            </a:r>
+            <a:r>
+              <a:rPr lang="en-US" dirty="0" smtClean="0">
+                <a:ea typeface="Calibri"/>
+                <a:cs typeface="Times New Roman"/>
+              </a:rPr>
+              <a:t> </a:t>
+            </a:r>
+            <a:endParaRPr lang="en-US" dirty="0" smtClean="0">
+              <a:ea typeface="Calibri"/>
+              <a:cs typeface="Times New Roman"/>
+            </a:endParaRPr>
           </a:p>
           <a:p>
             <a:pPr lvl="0" algn="just">
@@ -4341,8 +4379,12 @@
                 <a:ea typeface="Calibri"/>
                 <a:cs typeface="Times New Roman"/>
               </a:rPr>
-              <a:t>enemies</a:t>
-            </a:r>
+              <a:t>enemies, textures</a:t>
+            </a:r>
+            <a:endParaRPr lang="en-US" dirty="0" smtClean="0">
+              <a:ea typeface="Calibri"/>
+              <a:cs typeface="Times New Roman"/>
+            </a:endParaRPr>
           </a:p>
           <a:p>
             <a:pPr lvl="0" algn="just">
@@ -4386,22 +4428,26 @@
                 <a:ea typeface="Calibri"/>
                 <a:cs typeface="Times New Roman"/>
               </a:rPr>
-              <a:t>- items</a:t>
-            </a:r>
-            <a:r>
-              <a:rPr lang="en-US" dirty="0">
-                <a:ea typeface="Calibri"/>
-                <a:cs typeface="Times New Roman"/>
-              </a:rPr>
-              <a:t>, </a:t>
+              <a:t>– items development, enemies </a:t>
+            </a:r>
+            <a:r>
+              <a:rPr lang="en-US" dirty="0" err="1" smtClean="0">
+                <a:ea typeface="Calibri"/>
+                <a:cs typeface="Times New Roman"/>
+              </a:rPr>
+              <a:t>devepment</a:t>
             </a:r>
             <a:r>
               <a:rPr lang="en-US" dirty="0" smtClean="0">
                 <a:ea typeface="Calibri"/>
                 <a:cs typeface="Times New Roman"/>
               </a:rPr>
-              <a:t>enemies</a:t>
-            </a:r>
+              <a:t>, game story</a:t>
+            </a:r>
+            <a:endParaRPr lang="en-US" dirty="0" smtClean="0">
+              <a:ea typeface="Calibri"/>
+              <a:cs typeface="Times New Roman"/>
+            </a:endParaRPr>
           </a:p>
           <a:p>
             <a:pPr algn="just">
@@ -4438,9 +4484,86 @@
                 <a:ea typeface="Calibri"/>
                 <a:cs typeface="Times New Roman"/>
               </a:rPr>
-              <a:t> - game states</a:t>
-            </a:r>
-            <a:endParaRPr lang="bg-BG" sz="514" dirty="0">
+              <a:t> - game </a:t>
+            </a:r>
+            <a:r>
+              <a:rPr lang="en-US" dirty="0" smtClean="0">
+                <a:ea typeface="Calibri"/>
+                <a:cs typeface="Times New Roman"/>
+              </a:rPr>
+              <a:t>states</a:t>
+            </a:r>
+            <a:endParaRPr lang="bg-BG" dirty="0" smtClean="0">
+              <a:ea typeface="Calibri"/>
+              <a:cs typeface="Times New Roman"/>
+            </a:endParaRPr>
+          </a:p>
+          <a:p>
+            <a:pPr algn="just">
+              <a:lnSpc>
+                <a:spcPct val="115000"/>
+              </a:lnSpc>
+              <a:spcAft>
+                <a:spcPts val="600"/>
+              </a:spcAft>
+            </a:pPr>
+            <a:r>
+              <a:rPr lang="en-US" dirty="0" smtClean="0">
+                <a:ea typeface="Calibri"/>
+                <a:cs typeface="Times New Roman"/>
+              </a:rPr>
+              <a:t>Jordan Ivanov – </a:t>
+            </a:r>
+            <a:r>
+              <a:rPr lang="en-US" dirty="0" err="1" smtClean="0">
+                <a:ea typeface="Calibri"/>
+                <a:cs typeface="Times New Roman"/>
+              </a:rPr>
+              <a:t>textues</a:t>
+            </a:r>
+            <a:endParaRPr lang="bg-BG" dirty="0" smtClean="0">
+              <a:ea typeface="Calibri"/>
+              <a:cs typeface="Times New Roman"/>
+            </a:endParaRPr>
+          </a:p>
+          <a:p>
+            <a:pPr algn="just">
+              <a:lnSpc>
+                <a:spcPct val="115000"/>
+              </a:lnSpc>
+              <a:spcAft>
+                <a:spcPts val="600"/>
+              </a:spcAft>
+            </a:pPr>
+            <a:r>
+              <a:rPr lang="en-US" dirty="0" smtClean="0">
+                <a:ea typeface="Calibri"/>
+                <a:cs typeface="Times New Roman"/>
+              </a:rPr>
+              <a:t>Ivan </a:t>
+            </a:r>
+            <a:r>
+              <a:rPr lang="en-US" dirty="0" err="1" smtClean="0">
+                <a:ea typeface="Calibri"/>
+                <a:cs typeface="Times New Roman"/>
+              </a:rPr>
+              <a:t>Stanchev</a:t>
+            </a:r>
+            <a:r>
+              <a:rPr lang="en-US" dirty="0" smtClean="0">
+                <a:ea typeface="Calibri"/>
+                <a:cs typeface="Times New Roman"/>
+              </a:rPr>
+              <a:t>  - </a:t>
+            </a:r>
+            <a:r>
+              <a:rPr lang="en-US" dirty="0" err="1" smtClean="0">
+                <a:ea typeface="Calibri"/>
+                <a:cs typeface="Times New Roman"/>
+              </a:rPr>
+              <a:t>oop</a:t>
+            </a:r>
+            <a:endParaRPr lang="bg-BG" dirty="0">
               <a:ea typeface="Calibri"/>
               <a:cs typeface="Times New Roman"/>
             </a:endParaRPr>
@@ -4513,7 +4636,7 @@
         </p:nvSpPr>
         <p:spPr>
           <a:xfrm>
-            <a:off x="3411602" y="5458371"/>
+            <a:off x="3446868" y="5530334"/>
             <a:ext cx="1994457" cy="369332"/>
           </a:xfrm>
           <a:prstGeom prst="rect">
@@ -4543,8 +4666,8 @@
         </p:nvSpPr>
         <p:spPr>
           <a:xfrm>
-            <a:off x="547759" y="5899666"/>
-            <a:ext cx="7475123" cy="646331"/>
+            <a:off x="547759" y="6091945"/>
+            <a:ext cx="4171335" cy="646331"/>
           </a:xfrm>
           <a:prstGeom prst="rect">
             <a:avLst/>
@@ -4559,15 +4682,7 @@
           <a:p>
             <a:r>
               <a:rPr lang="en-US" dirty="0" smtClean="0"/>
-              <a:t>Ivan </a:t>
-            </a:r>
-            <a:r>
-              <a:rPr lang="en-US" dirty="0" err="1" smtClean="0"/>
-              <a:t>Stanchev</a:t>
-            </a:r>
-            <a:r>
-              <a:rPr lang="en-US" dirty="0" smtClean="0"/>
-              <a:t>, Mario </a:t>
+              <a:t>Mario </a:t>
             </a:r>
             <a:r>
               <a:rPr lang="en-US" dirty="0" err="1" smtClean="0"/>
@@ -4585,19 +4700,16 @@
               <a:rPr lang="en-US" dirty="0" smtClean="0"/>
               <a:t> Todorova, </a:t>
             </a:r>
+            <a:endParaRPr lang="en-US" dirty="0" smtClean="0"/>
+          </a:p>
+          <a:p>
             <a:r>
               <a:rPr lang="en-US" dirty="0" err="1" smtClean="0"/>
-              <a:t>Yordan</a:t>
+              <a:t>Georgi</a:t>
             </a:r>
             <a:r>
               <a:rPr lang="en-US" dirty="0" smtClean="0"/>
-              <a:t> Ivanov,</a:t>
-            </a:r>
-          </a:p>
-          <a:p>
-            <a:r>
-              <a:rPr lang="en-US" dirty="0" smtClean="0"/>
-              <a:t>Georgi </a:t>
+              <a:t> </a:t>
             </a:r>
             <a:r>
               <a:rPr lang="en-US" dirty="0" err="1" smtClean="0"/>
@@ -4719,11 +4831,11 @@
               </a:spcAft>
             </a:pPr>
             <a:r>
-              <a:rPr lang="en-US" dirty="0">
-                <a:ea typeface="Calibri"/>
-                <a:cs typeface="Times New Roman"/>
-              </a:rPr>
-              <a:t>Some of the team members haven’t started OOP course yet, which caused bottlenecks in the development process.</a:t>
+              <a:rPr lang="en-US" dirty="0" smtClean="0">
+                <a:ea typeface="Calibri"/>
+                <a:cs typeface="Times New Roman"/>
+              </a:rPr>
+              <a:t>Not everyone from the team contributed.</a:t>
             </a:r>
             <a:endParaRPr lang="bg-BG" dirty="0">
               <a:ea typeface="Calibri"/>
@@ -4744,28 +4856,14 @@
                 <a:ea typeface="Calibri"/>
                 <a:cs typeface="Times New Roman"/>
               </a:rPr>
-              <a:t>Short terms for development</a:t>
-            </a:r>
-            <a:endParaRPr lang="bg-BG" dirty="0">
-              <a:ea typeface="Calibri"/>
-              <a:cs typeface="Times New Roman"/>
-            </a:endParaRPr>
-          </a:p>
-          <a:p>
-            <a:pPr algn="just">
-              <a:lnSpc>
-                <a:spcPct val="115000"/>
-              </a:lnSpc>
-              <a:spcAft>
-                <a:spcPts val="600"/>
-              </a:spcAft>
-            </a:pPr>
-            <a:r>
-              <a:rPr lang="en-US" dirty="0">
-                <a:ea typeface="Calibri"/>
-                <a:cs typeface="Times New Roman"/>
-              </a:rPr>
-              <a:t>Lack of involvement by half of the team members</a:t>
+              <a:t>Short terms for </a:t>
+            </a:r>
+            <a:r>
+              <a:rPr lang="en-US" dirty="0" smtClean="0">
+                <a:ea typeface="Calibri"/>
+                <a:cs typeface="Times New Roman"/>
+              </a:rPr>
+              <a:t>development.</a:t>
             </a:r>
             <a:endParaRPr lang="bg-BG" dirty="0">
               <a:ea typeface="Calibri"/>
@@ -4809,22 +4907,15 @@
               <a:buChar char="•"/>
             </a:pPr>
             <a:r>
-              <a:rPr lang="en-US" sz="1800" spc="10" dirty="0">
+              <a:rPr lang="en-US" sz="1800" spc="10" dirty="0" smtClean="0">
                 <a:solidFill>
                   <a:schemeClr val="tx1"/>
                 </a:solidFill>
                 <a:ea typeface="Calibri"/>
                 <a:cs typeface="Times New Roman"/>
               </a:rPr>
-              <a:t>Create multiple levels and enemy characters</a:t>
-            </a:r>
-            <a:endParaRPr lang="bg-BG" sz="1800" spc="10" dirty="0">
-              <a:solidFill>
-                <a:schemeClr val="tx1"/>
-              </a:solidFill>
-              <a:ea typeface="Calibri"/>
-              <a:cs typeface="Times New Roman"/>
-            </a:endParaRPr>
+              <a:t>Apply HQC good practices</a:t>
+            </a:r>
           </a:p>
           <a:p>
             <a:pPr marL="182880" lvl="1" algn="just">
@@ -4842,14 +4933,14 @@
               <a:buChar char="•"/>
             </a:pPr>
             <a:r>
-              <a:rPr lang="en-US" sz="1800" spc="10" dirty="0">
+              <a:rPr lang="en-US" sz="1800" spc="10" dirty="0" smtClean="0">
                 <a:solidFill>
                   <a:schemeClr val="tx1"/>
                 </a:solidFill>
                 <a:ea typeface="Calibri"/>
                 <a:cs typeface="Times New Roman"/>
               </a:rPr>
-              <a:t>Add more magical items and list to be selected from</a:t>
+              <a:t>Finish the game!</a:t>
             </a:r>
           </a:p>
           <a:p>
@@ -4868,14 +4959,14 @@
               <a:buChar char="•"/>
             </a:pPr>
             <a:r>
-              <a:rPr lang="en-US" sz="1800" spc="10" dirty="0">
+              <a:rPr lang="en-US" sz="1800" spc="10" dirty="0" smtClean="0">
                 <a:solidFill>
                   <a:schemeClr val="tx1"/>
                 </a:solidFill>
                 <a:ea typeface="Calibri"/>
                 <a:cs typeface="Times New Roman"/>
               </a:rPr>
-              <a:t>Additional menus</a:t>
+              <a:t>Create crowdfunding campaign</a:t>
             </a:r>
             <a:endParaRPr lang="bg-BG" sz="1800" spc="10" dirty="0">
               <a:solidFill>
